--- a/IoT Workshop.pptx
+++ b/IoT Workshop.pptx
@@ -7,19 +7,21 @@
   <p:sldIdLst>
     <p:sldId id="256" r:id="rId3"/>
     <p:sldId id="258" r:id="rId4"/>
-    <p:sldId id="269" r:id="rId5"/>
-    <p:sldId id="268" r:id="rId6"/>
-    <p:sldId id="270" r:id="rId7"/>
-    <p:sldId id="271" r:id="rId8"/>
-    <p:sldId id="272" r:id="rId9"/>
-    <p:sldId id="274" r:id="rId10"/>
-    <p:sldId id="273" r:id="rId11"/>
-    <p:sldId id="279" r:id="rId12"/>
-    <p:sldId id="275" r:id="rId13"/>
-    <p:sldId id="276" r:id="rId14"/>
-    <p:sldId id="277" r:id="rId15"/>
-    <p:sldId id="280" r:id="rId16"/>
-    <p:sldId id="278" r:id="rId17"/>
+    <p:sldId id="285" r:id="rId5"/>
+    <p:sldId id="286" r:id="rId6"/>
+    <p:sldId id="269" r:id="rId7"/>
+    <p:sldId id="268" r:id="rId8"/>
+    <p:sldId id="270" r:id="rId9"/>
+    <p:sldId id="271" r:id="rId10"/>
+    <p:sldId id="272" r:id="rId11"/>
+    <p:sldId id="274" r:id="rId12"/>
+    <p:sldId id="273" r:id="rId13"/>
+    <p:sldId id="279" r:id="rId14"/>
+    <p:sldId id="275" r:id="rId15"/>
+    <p:sldId id="276" r:id="rId16"/>
+    <p:sldId id="277" r:id="rId17"/>
+    <p:sldId id="280" r:id="rId18"/>
+    <p:sldId id="278" r:id="rId19"/>
   </p:sldIdLst>
   <p:sldSz cx="12192000" cy="6858000"/>
   <p:notesSz cx="6858000" cy="9144000"/>
@@ -2961,21 +2963,18 @@
             <p:ph type="ctrTitle"/>
           </p:nvPr>
         </p:nvSpPr>
-        <p:spPr/>
+        <p:spPr>
+          <a:xfrm>
+            <a:off x="1524000" y="1447483"/>
+            <a:ext cx="9144000" cy="2387600"/>
+          </a:xfrm>
+        </p:spPr>
         <p:txBody>
           <a:bodyPr>
             <a:normAutofit/>
           </a:bodyPr>
           <a:lstStyle/>
           <a:p>
-            <a:r>
-              <a:rPr lang="en-IN" altLang="en-US" sz="9600" b="1" dirty="0">
-                <a:solidFill>
-                  <a:srgbClr val="FFFF00"/>
-                </a:solidFill>
-              </a:rPr>
-              <a:t>IoT</a:t>
-            </a:r>
             <a:br>
               <a:rPr lang="en-IN" altLang="en-US" sz="9600" b="1" dirty="0">
                 <a:solidFill>
@@ -2984,17 +2983,17 @@
               </a:rPr>
             </a:br>
             <a:r>
-              <a:rPr lang="en-IN" altLang="en-US" sz="2400">
-                <a:solidFill>
-                  <a:schemeClr val="bg1"/>
+              <a:rPr lang="en-IN" altLang="en-US" sz="4800" b="1">
+                <a:solidFill>
+                  <a:srgbClr val="FFC000"/>
                 </a:solidFill>
                 <a:sym typeface="+mn-ea"/>
               </a:rPr>
               <a:t>Workshop</a:t>
             </a:r>
-            <a:endParaRPr lang="en-IN" altLang="en-US" sz="2400" b="1" dirty="0">
+            <a:endParaRPr lang="en-IN" altLang="en-US" sz="4800" b="1" dirty="0">
               <a:solidFill>
-                <a:schemeClr val="bg1"/>
+                <a:srgbClr val="FFC000"/>
               </a:solidFill>
               <a:sym typeface="+mn-ea"/>
             </a:endParaRPr>
@@ -3028,7 +3027,7 @@
                   <a:schemeClr val="bg1"/>
                 </a:solidFill>
               </a:rPr>
-              <a:t>by Atharva Pawar</a:t>
+              <a:t>Atharva Pawar</a:t>
             </a:r>
             <a:endParaRPr lang="en-IN" altLang="en-US">
               <a:solidFill>
@@ -3054,6 +3053,32 @@
           </a:p>
         </p:txBody>
       </p:sp>
+      <p:pic>
+        <p:nvPicPr>
+          <p:cNvPr id="103" name="Picture 102"/>
+          <p:cNvPicPr/>
+          <p:nvPr/>
+        </p:nvPicPr>
+        <p:blipFill>
+          <a:blip r:embed="rId1"/>
+          <a:stretch>
+            <a:fillRect/>
+          </a:stretch>
+        </p:blipFill>
+        <p:spPr>
+          <a:xfrm>
+            <a:off x="4892675" y="868045"/>
+            <a:ext cx="2305050" cy="1981200"/>
+          </a:xfrm>
+          <a:prstGeom prst="roundRect">
+            <a:avLst/>
+          </a:prstGeom>
+          <a:noFill/>
+          <a:ln w="9525">
+            <a:noFill/>
+          </a:ln>
+        </p:spPr>
+      </p:pic>
     </p:spTree>
   </p:cSld>
   <p:clrMapOvr>
@@ -3164,7 +3189,7 @@
                 </a:effectLst>
                 <a:sym typeface="+mn-ea"/>
               </a:rPr>
-              <a:t>Input Device: </a:t>
+              <a:t>Output Device: </a:t>
             </a:r>
             <a:r>
               <a:rPr lang="en-IN" altLang="en-US" sz="4400">
@@ -3173,7 +3198,7 @@
                 </a:solidFill>
                 <a:sym typeface="+mn-ea"/>
               </a:rPr>
-              <a:t>PIR(</a:t>
+              <a:t>I2C 16x2 LCD(</a:t>
             </a:r>
             <a:r>
               <a:rPr lang="en-IN" altLang="en-US" sz="4400">
@@ -3186,7 +3211,7 @@
                 <a:sym typeface="+mn-ea"/>
                 <a:hlinkClick r:id="rId1" action="ppaction://hlinkfile"/>
               </a:rPr>
-              <a:t>link</a:t>
+              <a:t>Link</a:t>
             </a:r>
             <a:r>
               <a:rPr lang="en-IN" altLang="en-US" sz="4400">
@@ -3222,8 +3247,8 @@
         </p:blipFill>
         <p:spPr>
           <a:xfrm>
-            <a:off x="1288415" y="1200150"/>
-            <a:ext cx="5361940" cy="5109210"/>
+            <a:off x="315595" y="1110615"/>
+            <a:ext cx="5480685" cy="4726305"/>
           </a:xfrm>
           <a:prstGeom prst="rect">
             <a:avLst/>
@@ -3240,16 +3265,44 @@
         </p:nvPicPr>
         <p:blipFill>
           <a:blip r:embed="rId3">
-            <a:lum contrast="24000"/>
+            <a:lum contrast="36000"/>
           </a:blip>
+          <a:srcRect t="560"/>
           <a:stretch>
             <a:fillRect/>
           </a:stretch>
         </p:blipFill>
         <p:spPr>
           <a:xfrm>
-            <a:off x="6974205" y="1189355"/>
-            <a:ext cx="3976370" cy="5120640"/>
+            <a:off x="5960745" y="1110615"/>
+            <a:ext cx="5675630" cy="5231130"/>
+          </a:xfrm>
+          <a:prstGeom prst="rect">
+            <a:avLst/>
+          </a:prstGeom>
+        </p:spPr>
+      </p:pic>
+      <p:pic>
+        <p:nvPicPr>
+          <p:cNvPr id="7" name="Picture 6"/>
+          <p:cNvPicPr>
+            <a:picLocks noChangeAspect="1"/>
+          </p:cNvPicPr>
+          <p:nvPr/>
+        </p:nvPicPr>
+        <p:blipFill>
+          <a:blip r:embed="rId3">
+            <a:lum contrast="36000"/>
+          </a:blip>
+          <a:srcRect t="560"/>
+          <a:stretch>
+            <a:fillRect/>
+          </a:stretch>
+        </p:blipFill>
+        <p:spPr>
+          <a:xfrm>
+            <a:off x="6094095" y="1110615"/>
+            <a:ext cx="5675630" cy="5231130"/>
           </a:xfrm>
           <a:prstGeom prst="rect">
             <a:avLst/>
@@ -3375,7 +3428,7 @@
                 </a:solidFill>
                 <a:sym typeface="+mn-ea"/>
               </a:rPr>
-              <a:t>Servo(</a:t>
+              <a:t>Neo Pixel (</a:t>
             </a:r>
             <a:r>
               <a:rPr lang="en-IN" altLang="en-US" sz="4400">
@@ -3388,7 +3441,7 @@
                 <a:sym typeface="+mn-ea"/>
                 <a:hlinkClick r:id="rId1" action="ppaction://hlinkfile"/>
               </a:rPr>
-              <a:t>LINK</a:t>
+              <a:t>Link</a:t>
             </a:r>
             <a:r>
               <a:rPr lang="en-IN" altLang="en-US" sz="4400">
@@ -3424,8 +3477,8 @@
         </p:blipFill>
         <p:spPr>
           <a:xfrm>
-            <a:off x="753110" y="1292860"/>
-            <a:ext cx="5240020" cy="4968240"/>
+            <a:off x="476250" y="1110615"/>
+            <a:ext cx="4366895" cy="4028440"/>
           </a:xfrm>
           <a:prstGeom prst="rect">
             <a:avLst/>
@@ -3442,7 +3495,7 @@
         </p:nvPicPr>
         <p:blipFill>
           <a:blip r:embed="rId3">
-            <a:lum contrast="24000"/>
+            <a:lum contrast="30000"/>
           </a:blip>
           <a:stretch>
             <a:fillRect/>
@@ -3450,8 +3503,8 @@
         </p:blipFill>
         <p:spPr>
           <a:xfrm>
-            <a:off x="6447790" y="1292860"/>
-            <a:ext cx="4366895" cy="4967605"/>
+            <a:off x="4959350" y="1110615"/>
+            <a:ext cx="6858000" cy="5229860"/>
           </a:xfrm>
           <a:prstGeom prst="rect">
             <a:avLst/>
@@ -3568,7 +3621,7 @@
                 </a:effectLst>
                 <a:sym typeface="+mn-ea"/>
               </a:rPr>
-              <a:t>Output Device: </a:t>
+              <a:t>Input Device: </a:t>
             </a:r>
             <a:r>
               <a:rPr lang="en-IN" altLang="en-US" sz="4400">
@@ -3577,7 +3630,7 @@
                 </a:solidFill>
                 <a:sym typeface="+mn-ea"/>
               </a:rPr>
-              <a:t>Relay(</a:t>
+              <a:t>PIR(</a:t>
             </a:r>
             <a:r>
               <a:rPr lang="en-IN" altLang="en-US" sz="4400">
@@ -3626,8 +3679,8 @@
         </p:blipFill>
         <p:spPr>
           <a:xfrm>
-            <a:off x="834390" y="1203960"/>
-            <a:ext cx="4965065" cy="4857115"/>
+            <a:off x="1288415" y="1200150"/>
+            <a:ext cx="5361940" cy="5109210"/>
           </a:xfrm>
           <a:prstGeom prst="rect">
             <a:avLst/>
@@ -3643,15 +3696,17 @@
           <p:nvPr/>
         </p:nvPicPr>
         <p:blipFill>
-          <a:blip r:embed="rId3"/>
+          <a:blip r:embed="rId3">
+            <a:lum contrast="24000"/>
+          </a:blip>
           <a:stretch>
             <a:fillRect/>
           </a:stretch>
         </p:blipFill>
         <p:spPr>
           <a:xfrm>
-            <a:off x="5879465" y="1203960"/>
-            <a:ext cx="5558790" cy="4857115"/>
+            <a:off x="6974205" y="1189355"/>
+            <a:ext cx="3976370" cy="5120640"/>
           </a:xfrm>
           <a:prstGeom prst="rect">
             <a:avLst/>
@@ -3768,7 +3823,7 @@
                 </a:effectLst>
                 <a:sym typeface="+mn-ea"/>
               </a:rPr>
-              <a:t>Input Device: </a:t>
+              <a:t>Output Device: </a:t>
             </a:r>
             <a:r>
               <a:rPr lang="en-IN" altLang="en-US" sz="4400">
@@ -3777,7 +3832,7 @@
                 </a:solidFill>
                 <a:sym typeface="+mn-ea"/>
               </a:rPr>
-              <a:t>DHT22(</a:t>
+              <a:t>Servo(</a:t>
             </a:r>
             <a:r>
               <a:rPr lang="en-IN" altLang="en-US" sz="4400">
@@ -3790,7 +3845,7 @@
                 <a:sym typeface="+mn-ea"/>
                 <a:hlinkClick r:id="rId1" action="ppaction://hlinkfile"/>
               </a:rPr>
-              <a:t>link</a:t>
+              <a:t>LINK</a:t>
             </a:r>
             <a:r>
               <a:rPr lang="en-IN" altLang="en-US" sz="4400">
@@ -3826,8 +3881,8 @@
         </p:blipFill>
         <p:spPr>
           <a:xfrm>
-            <a:off x="446405" y="1110615"/>
-            <a:ext cx="3288665" cy="5027930"/>
+            <a:off x="753110" y="1292860"/>
+            <a:ext cx="5240020" cy="4968240"/>
           </a:xfrm>
           <a:prstGeom prst="rect">
             <a:avLst/>
@@ -3844,7 +3899,7 @@
         </p:nvPicPr>
         <p:blipFill>
           <a:blip r:embed="rId3">
-            <a:lum contrast="30000"/>
+            <a:lum contrast="24000"/>
           </a:blip>
           <a:stretch>
             <a:fillRect/>
@@ -3852,8 +3907,8 @@
         </p:blipFill>
         <p:spPr>
           <a:xfrm>
-            <a:off x="3918585" y="1110615"/>
-            <a:ext cx="7980045" cy="5028565"/>
+            <a:off x="6447790" y="1292860"/>
+            <a:ext cx="4366895" cy="4967605"/>
           </a:xfrm>
           <a:prstGeom prst="rect">
             <a:avLst/>
@@ -3970,7 +4025,7 @@
                 </a:effectLst>
                 <a:sym typeface="+mn-ea"/>
               </a:rPr>
-              <a:t>IoT (Read PoT): Thingspeak(dB)</a:t>
+              <a:t>Output Device: </a:t>
             </a:r>
             <a:r>
               <a:rPr lang="en-IN" altLang="en-US" sz="4400">
@@ -3979,7 +4034,7 @@
                 </a:solidFill>
                 <a:sym typeface="+mn-ea"/>
               </a:rPr>
-              <a:t>(</a:t>
+              <a:t>Relay(</a:t>
             </a:r>
             <a:r>
               <a:rPr lang="en-IN" altLang="en-US" sz="4400">
@@ -4014,7 +4069,7 @@
       </p:sp>
       <p:pic>
         <p:nvPicPr>
-          <p:cNvPr id="6" name="Picture 5"/>
+          <p:cNvPr id="2" name="Picture 1"/>
           <p:cNvPicPr>
             <a:picLocks noChangeAspect="1"/>
           </p:cNvPicPr>
@@ -4028,8 +4083,32 @@
         </p:blipFill>
         <p:spPr>
           <a:xfrm>
-            <a:off x="3533140" y="1289050"/>
-            <a:ext cx="5125720" cy="4922520"/>
+            <a:off x="834390" y="1203960"/>
+            <a:ext cx="4965065" cy="4857115"/>
+          </a:xfrm>
+          <a:prstGeom prst="rect">
+            <a:avLst/>
+          </a:prstGeom>
+        </p:spPr>
+      </p:pic>
+      <p:pic>
+        <p:nvPicPr>
+          <p:cNvPr id="3" name="Picture 2"/>
+          <p:cNvPicPr>
+            <a:picLocks noChangeAspect="1"/>
+          </p:cNvPicPr>
+          <p:nvPr/>
+        </p:nvPicPr>
+        <p:blipFill>
+          <a:blip r:embed="rId3"/>
+          <a:stretch>
+            <a:fillRect/>
+          </a:stretch>
+        </p:blipFill>
+        <p:spPr>
+          <a:xfrm>
+            <a:off x="5879465" y="1203960"/>
+            <a:ext cx="5558790" cy="4857115"/>
           </a:xfrm>
           <a:prstGeom prst="rect">
             <a:avLst/>
@@ -4045,6 +4124,435 @@
 </file>
 
 <file path=ppt/slides/slide15.xml><?xml version="1.0" encoding="utf-8"?>
+<p:sld xmlns:a="http://schemas.openxmlformats.org/drawingml/2006/main" xmlns:r="http://schemas.openxmlformats.org/officeDocument/2006/relationships" xmlns:p="http://schemas.openxmlformats.org/presentationml/2006/main">
+  <p:cSld>
+    <p:bg>
+      <p:bgPr>
+        <a:gradFill>
+          <a:gsLst>
+            <a:gs pos="0">
+              <a:srgbClr val="007BD3"/>
+            </a:gs>
+            <a:gs pos="100000">
+              <a:srgbClr val="034373"/>
+            </a:gs>
+          </a:gsLst>
+          <a:lin scaled="0"/>
+        </a:gradFill>
+        <a:effectLst/>
+      </p:bgPr>
+    </p:bg>
+    <p:spTree>
+      <p:nvGrpSpPr>
+        <p:cNvPr id="1" name=""/>
+        <p:cNvGrpSpPr/>
+        <p:nvPr/>
+      </p:nvGrpSpPr>
+      <p:grpSpPr>
+        <a:xfrm>
+          <a:off x="0" y="0"/>
+          <a:ext cx="0" cy="0"/>
+          <a:chOff x="0" y="0"/>
+          <a:chExt cx="0" cy="0"/>
+        </a:xfrm>
+      </p:grpSpPr>
+      <p:sp>
+        <p:nvSpPr>
+          <p:cNvPr id="4" name="Subtitle 3"/>
+          <p:cNvSpPr/>
+          <p:nvPr>
+            <p:ph type="subTitle" idx="1"/>
+          </p:nvPr>
+        </p:nvSpPr>
+        <p:spPr>
+          <a:xfrm>
+            <a:off x="7649845" y="6389370"/>
+            <a:ext cx="4468495" cy="468630"/>
+          </a:xfrm>
+        </p:spPr>
+        <p:txBody>
+          <a:bodyPr/>
+          <a:p>
+            <a:r>
+              <a:rPr lang="en-IN" altLang="en-US" b="1" dirty="0">
+                <a:solidFill>
+                  <a:srgbClr val="FFFF00"/>
+                </a:solidFill>
+                <a:sym typeface="+mn-ea"/>
+              </a:rPr>
+              <a:t>IoT </a:t>
+            </a:r>
+            <a:r>
+              <a:rPr lang="en-IN" altLang="en-US">
+                <a:solidFill>
+                  <a:schemeClr val="bg1"/>
+                </a:solidFill>
+                <a:sym typeface="+mn-ea"/>
+              </a:rPr>
+              <a:t>Workshop</a:t>
+            </a:r>
+            <a:endParaRPr lang="en-US"/>
+          </a:p>
+        </p:txBody>
+      </p:sp>
+      <p:sp>
+        <p:nvSpPr>
+          <p:cNvPr id="5" name="Title 4"/>
+          <p:cNvSpPr/>
+          <p:nvPr>
+            <p:ph type="ctrTitle"/>
+          </p:nvPr>
+        </p:nvSpPr>
+        <p:spPr>
+          <a:xfrm>
+            <a:off x="1524000" y="409575"/>
+            <a:ext cx="9144000" cy="701040"/>
+          </a:xfrm>
+        </p:spPr>
+        <p:txBody>
+          <a:bodyPr>
+            <a:normAutofit fontScale="90000"/>
+          </a:bodyPr>
+          <a:p>
+            <a:r>
+              <a:rPr lang="en-IN" altLang="en-US" sz="4400">
+                <a:effectLst>
+                  <a:outerShdw blurRad="38100" dist="19050" dir="2700000" algn="tl" rotWithShape="0">
+                    <a:schemeClr val="dk1">
+                      <a:alpha val="40000"/>
+                    </a:schemeClr>
+                  </a:outerShdw>
+                </a:effectLst>
+                <a:sym typeface="+mn-ea"/>
+              </a:rPr>
+              <a:t>Input Device: </a:t>
+            </a:r>
+            <a:r>
+              <a:rPr lang="en-IN" altLang="en-US" sz="4400">
+                <a:solidFill>
+                  <a:schemeClr val="bg1"/>
+                </a:solidFill>
+                <a:sym typeface="+mn-ea"/>
+              </a:rPr>
+              <a:t>DHT22(</a:t>
+            </a:r>
+            <a:r>
+              <a:rPr lang="en-IN" altLang="en-US" sz="4400">
+                <a:solidFill>
+                  <a:schemeClr val="bg1"/>
+                </a:solidFill>
+                <a:highlight>
+                  <a:srgbClr val="FFFF00"/>
+                </a:highlight>
+                <a:sym typeface="+mn-ea"/>
+                <a:hlinkClick r:id="rId1" action="ppaction://hlinkfile"/>
+              </a:rPr>
+              <a:t>link</a:t>
+            </a:r>
+            <a:r>
+              <a:rPr lang="en-IN" altLang="en-US" sz="4400">
+                <a:solidFill>
+                  <a:schemeClr val="bg1"/>
+                </a:solidFill>
+                <a:sym typeface="+mn-ea"/>
+              </a:rPr>
+              <a:t>)</a:t>
+            </a:r>
+            <a:endParaRPr lang="en-IN" altLang="en-US" sz="4400">
+              <a:solidFill>
+                <a:schemeClr val="bg1"/>
+              </a:solidFill>
+              <a:sym typeface="+mn-ea"/>
+            </a:endParaRPr>
+          </a:p>
+        </p:txBody>
+      </p:sp>
+      <p:pic>
+        <p:nvPicPr>
+          <p:cNvPr id="2" name="Picture 1"/>
+          <p:cNvPicPr>
+            <a:picLocks noChangeAspect="1"/>
+          </p:cNvPicPr>
+          <p:nvPr/>
+        </p:nvPicPr>
+        <p:blipFill>
+          <a:blip r:embed="rId2"/>
+          <a:stretch>
+            <a:fillRect/>
+          </a:stretch>
+        </p:blipFill>
+        <p:spPr>
+          <a:xfrm>
+            <a:off x="446405" y="1110615"/>
+            <a:ext cx="3288665" cy="5027930"/>
+          </a:xfrm>
+          <a:prstGeom prst="rect">
+            <a:avLst/>
+          </a:prstGeom>
+        </p:spPr>
+      </p:pic>
+      <p:pic>
+        <p:nvPicPr>
+          <p:cNvPr id="3" name="Picture 2"/>
+          <p:cNvPicPr>
+            <a:picLocks noChangeAspect="1"/>
+          </p:cNvPicPr>
+          <p:nvPr/>
+        </p:nvPicPr>
+        <p:blipFill>
+          <a:blip r:embed="rId3">
+            <a:lum contrast="30000"/>
+          </a:blip>
+          <a:stretch>
+            <a:fillRect/>
+          </a:stretch>
+        </p:blipFill>
+        <p:spPr>
+          <a:xfrm>
+            <a:off x="3918585" y="1110615"/>
+            <a:ext cx="7980045" cy="5028565"/>
+          </a:xfrm>
+          <a:prstGeom prst="rect">
+            <a:avLst/>
+          </a:prstGeom>
+        </p:spPr>
+      </p:pic>
+    </p:spTree>
+  </p:cSld>
+  <p:clrMapOvr>
+    <a:masterClrMapping/>
+  </p:clrMapOvr>
+</p:sld>
+</file>
+
+<file path=ppt/slides/slide16.xml><?xml version="1.0" encoding="utf-8"?>
+<p:sld xmlns:a="http://schemas.openxmlformats.org/drawingml/2006/main" xmlns:r="http://schemas.openxmlformats.org/officeDocument/2006/relationships" xmlns:p="http://schemas.openxmlformats.org/presentationml/2006/main">
+  <p:cSld>
+    <p:bg>
+      <p:bgPr>
+        <a:gradFill>
+          <a:gsLst>
+            <a:gs pos="0">
+              <a:srgbClr val="007BD3"/>
+            </a:gs>
+            <a:gs pos="100000">
+              <a:srgbClr val="034373"/>
+            </a:gs>
+          </a:gsLst>
+          <a:lin scaled="0"/>
+        </a:gradFill>
+        <a:effectLst/>
+      </p:bgPr>
+    </p:bg>
+    <p:spTree>
+      <p:nvGrpSpPr>
+        <p:cNvPr id="1" name=""/>
+        <p:cNvGrpSpPr/>
+        <p:nvPr/>
+      </p:nvGrpSpPr>
+      <p:grpSpPr>
+        <a:xfrm>
+          <a:off x="0" y="0"/>
+          <a:ext cx="0" cy="0"/>
+          <a:chOff x="0" y="0"/>
+          <a:chExt cx="0" cy="0"/>
+        </a:xfrm>
+      </p:grpSpPr>
+      <p:sp>
+        <p:nvSpPr>
+          <p:cNvPr id="4" name="Subtitle 3"/>
+          <p:cNvSpPr/>
+          <p:nvPr>
+            <p:ph type="subTitle" idx="1"/>
+          </p:nvPr>
+        </p:nvSpPr>
+        <p:spPr>
+          <a:xfrm>
+            <a:off x="7649845" y="6389370"/>
+            <a:ext cx="4468495" cy="468630"/>
+          </a:xfrm>
+        </p:spPr>
+        <p:txBody>
+          <a:bodyPr/>
+          <a:p>
+            <a:r>
+              <a:rPr lang="en-IN" altLang="en-US" b="1" dirty="0">
+                <a:solidFill>
+                  <a:srgbClr val="FFFF00"/>
+                </a:solidFill>
+                <a:sym typeface="+mn-ea"/>
+              </a:rPr>
+              <a:t>IoT </a:t>
+            </a:r>
+            <a:r>
+              <a:rPr lang="en-IN" altLang="en-US">
+                <a:solidFill>
+                  <a:schemeClr val="bg1"/>
+                </a:solidFill>
+                <a:sym typeface="+mn-ea"/>
+              </a:rPr>
+              <a:t>Workshop</a:t>
+            </a:r>
+            <a:endParaRPr lang="en-US"/>
+          </a:p>
+        </p:txBody>
+      </p:sp>
+      <p:sp>
+        <p:nvSpPr>
+          <p:cNvPr id="5" name="Title 4"/>
+          <p:cNvSpPr/>
+          <p:nvPr>
+            <p:ph type="ctrTitle"/>
+          </p:nvPr>
+        </p:nvSpPr>
+        <p:spPr>
+          <a:xfrm>
+            <a:off x="1524000" y="124460"/>
+            <a:ext cx="9144000" cy="1463675"/>
+          </a:xfrm>
+        </p:spPr>
+        <p:txBody>
+          <a:bodyPr>
+            <a:noAutofit/>
+          </a:bodyPr>
+          <a:p>
+            <a:r>
+              <a:rPr lang="en-IN" altLang="en-US" sz="4400" b="1">
+                <a:solidFill>
+                  <a:srgbClr val="FFC000"/>
+                </a:solidFill>
+                <a:effectLst>
+                  <a:outerShdw blurRad="38100" dist="19050" dir="2700000" algn="tl" rotWithShape="0">
+                    <a:schemeClr val="dk1">
+                      <a:alpha val="40000"/>
+                    </a:schemeClr>
+                  </a:outerShdw>
+                </a:effectLst>
+                <a:sym typeface="+mn-ea"/>
+              </a:rPr>
+              <a:t>IoT (Read DHT22 &amp; Upload the DHT22 Data): Thingspeak(dB)</a:t>
+            </a:r>
+            <a:r>
+              <a:rPr lang="en-IN" altLang="en-US" sz="4400" b="1">
+                <a:solidFill>
+                  <a:srgbClr val="FFC000"/>
+                </a:solidFill>
+                <a:sym typeface="+mn-ea"/>
+              </a:rPr>
+              <a:t>(</a:t>
+            </a:r>
+            <a:r>
+              <a:rPr lang="en-IN" altLang="en-US" sz="4400" b="1">
+                <a:solidFill>
+                  <a:srgbClr val="FFC000"/>
+                </a:solidFill>
+                <a:highlight>
+                  <a:srgbClr val="FFFF00"/>
+                </a:highlight>
+                <a:sym typeface="+mn-ea"/>
+                <a:hlinkClick r:id="rId1" action="ppaction://hlinkfile"/>
+              </a:rPr>
+              <a:t>link</a:t>
+            </a:r>
+            <a:r>
+              <a:rPr lang="en-IN" altLang="en-US" sz="4400" b="1">
+                <a:solidFill>
+                  <a:srgbClr val="FFC000"/>
+                </a:solidFill>
+                <a:sym typeface="+mn-ea"/>
+              </a:rPr>
+              <a:t>)</a:t>
+            </a:r>
+            <a:endParaRPr lang="en-IN" altLang="en-US" sz="4400" b="1">
+              <a:solidFill>
+                <a:srgbClr val="FFC000"/>
+              </a:solidFill>
+              <a:sym typeface="+mn-ea"/>
+            </a:endParaRPr>
+          </a:p>
+        </p:txBody>
+      </p:sp>
+      <p:pic>
+        <p:nvPicPr>
+          <p:cNvPr id="2" name="Picture 1"/>
+          <p:cNvPicPr>
+            <a:picLocks noChangeAspect="1"/>
+          </p:cNvPicPr>
+          <p:nvPr/>
+        </p:nvPicPr>
+        <p:blipFill>
+          <a:blip r:embed="rId2"/>
+          <a:stretch>
+            <a:fillRect/>
+          </a:stretch>
+        </p:blipFill>
+        <p:spPr>
+          <a:xfrm>
+            <a:off x="182245" y="1657985"/>
+            <a:ext cx="6710045" cy="4628515"/>
+          </a:xfrm>
+          <a:prstGeom prst="rect">
+            <a:avLst/>
+          </a:prstGeom>
+        </p:spPr>
+      </p:pic>
+      <p:pic>
+        <p:nvPicPr>
+          <p:cNvPr id="3" name="Picture 2"/>
+          <p:cNvPicPr>
+            <a:picLocks noChangeAspect="1"/>
+          </p:cNvPicPr>
+          <p:nvPr/>
+        </p:nvPicPr>
+        <p:blipFill>
+          <a:blip r:embed="rId3"/>
+          <a:stretch>
+            <a:fillRect/>
+          </a:stretch>
+        </p:blipFill>
+        <p:spPr>
+          <a:xfrm>
+            <a:off x="5527040" y="4095115"/>
+            <a:ext cx="6407785" cy="2191385"/>
+          </a:xfrm>
+          <a:prstGeom prst="rect">
+            <a:avLst/>
+          </a:prstGeom>
+        </p:spPr>
+      </p:pic>
+      <p:pic>
+        <p:nvPicPr>
+          <p:cNvPr id="7" name="Picture 6"/>
+          <p:cNvPicPr>
+            <a:picLocks noChangeAspect="1"/>
+          </p:cNvPicPr>
+          <p:nvPr/>
+        </p:nvPicPr>
+        <p:blipFill>
+          <a:blip r:embed="rId4"/>
+          <a:stretch>
+            <a:fillRect/>
+          </a:stretch>
+        </p:blipFill>
+        <p:spPr>
+          <a:xfrm>
+            <a:off x="5927725" y="1588135"/>
+            <a:ext cx="5606415" cy="2247900"/>
+          </a:xfrm>
+          <a:prstGeom prst="rect">
+            <a:avLst/>
+          </a:prstGeom>
+        </p:spPr>
+      </p:pic>
+    </p:spTree>
+  </p:cSld>
+  <p:clrMapOvr>
+    <a:masterClrMapping/>
+  </p:clrMapOvr>
+</p:sld>
+</file>
+
+<file path=ppt/slides/slide17.xml><?xml version="1.0" encoding="utf-8"?>
 <p:sld xmlns:a="http://schemas.openxmlformats.org/drawingml/2006/main" xmlns:r="http://schemas.openxmlformats.org/officeDocument/2006/relationships" xmlns:p="http://schemas.openxmlformats.org/presentationml/2006/main">
   <p:cSld>
     <p:bg>
@@ -4712,257 +5220,32 @@
           </a:p>
         </p:txBody>
       </p:sp>
-      <p:sp>
-        <p:nvSpPr>
-          <p:cNvPr id="6" name="Text Box 5"/>
-          <p:cNvSpPr txBox="1"/>
+      <p:pic>
+        <p:nvPicPr>
+          <p:cNvPr id="105" name="Picture 104"/>
+          <p:cNvPicPr/>
           <p:nvPr/>
-        </p:nvSpPr>
-        <p:spPr>
-          <a:xfrm>
-            <a:off x="712470" y="425450"/>
-            <a:ext cx="9862185" cy="5262245"/>
+        </p:nvPicPr>
+        <p:blipFill>
+          <a:blip r:embed="rId1"/>
+          <a:stretch>
+            <a:fillRect/>
+          </a:stretch>
+        </p:blipFill>
+        <p:spPr>
+          <a:xfrm>
+            <a:off x="833755" y="320675"/>
+            <a:ext cx="10525125" cy="5899785"/>
           </a:xfrm>
           <a:prstGeom prst="rect">
             <a:avLst/>
           </a:prstGeom>
           <a:noFill/>
-        </p:spPr>
-        <p:txBody>
-          <a:bodyPr wrap="square" rtlCol="0">
-            <a:spAutoFit/>
-          </a:bodyPr>
-          <a:p>
-            <a:r>
-              <a:rPr lang="en-IN" altLang="en-US" sz="3600">
-                <a:solidFill>
-                  <a:srgbClr val="FFFF00"/>
-                </a:solidFill>
-                <a:sym typeface="+mn-ea"/>
-              </a:rPr>
-              <a:t>Interfacing</a:t>
-            </a:r>
-            <a:r>
-              <a:rPr lang="en-IN" altLang="en-US" sz="3200">
-                <a:solidFill>
-                  <a:schemeClr val="bg1"/>
-                </a:solidFill>
-                <a:sym typeface="+mn-ea"/>
-              </a:rPr>
-              <a:t>:</a:t>
-            </a:r>
-            <a:endParaRPr lang="en-IN" altLang="en-US" sz="3200">
-              <a:solidFill>
-                <a:schemeClr val="bg1"/>
-              </a:solidFill>
-              <a:sym typeface="+mn-ea"/>
-            </a:endParaRPr>
-          </a:p>
-          <a:p>
-            <a:endParaRPr lang="en-IN" altLang="en-US" sz="3200">
-              <a:solidFill>
-                <a:schemeClr val="bg1"/>
-              </a:solidFill>
-              <a:sym typeface="+mn-ea"/>
-            </a:endParaRPr>
-          </a:p>
-          <a:p>
-            <a:r>
-              <a:rPr lang="en-IN" altLang="en-US" sz="3600">
-                <a:solidFill>
-                  <a:schemeClr val="tx1"/>
-                </a:solidFill>
-                <a:effectLst>
-                  <a:outerShdw blurRad="38100" dist="19050" dir="2700000" algn="tl" rotWithShape="0">
-                    <a:schemeClr val="dk1">
-                      <a:alpha val="40000"/>
-                    </a:schemeClr>
-                  </a:outerShdw>
-                </a:effectLst>
-                <a:sym typeface="+mn-ea"/>
-              </a:rPr>
-              <a:t>Basic Electronics:</a:t>
-            </a:r>
-            <a:endParaRPr lang="en-IN" altLang="en-US" sz="3600">
-              <a:solidFill>
-                <a:schemeClr val="tx1"/>
-              </a:solidFill>
-              <a:effectLst>
-                <a:outerShdw blurRad="38100" dist="19050" dir="2700000" algn="tl" rotWithShape="0">
-                  <a:schemeClr val="dk1">
-                    <a:alpha val="40000"/>
-                  </a:schemeClr>
-                </a:outerShdw>
-              </a:effectLst>
-              <a:sym typeface="+mn-ea"/>
-            </a:endParaRPr>
-          </a:p>
-          <a:p>
-            <a:pPr marL="457200" indent="-457200">
-              <a:buFont typeface="Arial" panose="020B0604020202020204" pitchFamily="34" charset="0"/>
-              <a:buChar char="•"/>
-            </a:pPr>
-            <a:r>
-              <a:rPr lang="en-IN" altLang="en-US" sz="3200">
-                <a:solidFill>
-                  <a:schemeClr val="bg1"/>
-                </a:solidFill>
-                <a:sym typeface="+mn-ea"/>
-              </a:rPr>
-              <a:t>Led, Potentiometer, Slide Switch</a:t>
-            </a:r>
-            <a:endParaRPr lang="en-IN" altLang="en-US" sz="3200">
-              <a:solidFill>
-                <a:schemeClr val="bg1"/>
-              </a:solidFill>
-              <a:sym typeface="+mn-ea"/>
-            </a:endParaRPr>
-          </a:p>
-          <a:p>
-            <a:pPr indent="0">
-              <a:buFont typeface="Arial" panose="020B0604020202020204" pitchFamily="34" charset="0"/>
-              <a:buNone/>
-            </a:pPr>
-            <a:endParaRPr lang="en-IN" altLang="en-US" sz="3200">
-              <a:solidFill>
-                <a:schemeClr val="tx1"/>
-              </a:solidFill>
-              <a:effectLst>
-                <a:outerShdw blurRad="38100" dist="19050" dir="2700000" algn="tl" rotWithShape="0">
-                  <a:schemeClr val="dk1">
-                    <a:alpha val="40000"/>
-                  </a:schemeClr>
-                </a:outerShdw>
-              </a:effectLst>
-              <a:sym typeface="+mn-ea"/>
-            </a:endParaRPr>
-          </a:p>
-          <a:p>
-            <a:pPr indent="0">
-              <a:buFont typeface="Arial" panose="020B0604020202020204" pitchFamily="34" charset="0"/>
-              <a:buNone/>
-            </a:pPr>
-            <a:r>
-              <a:rPr lang="en-IN" altLang="en-US" sz="3600">
-                <a:solidFill>
-                  <a:schemeClr val="tx1"/>
-                </a:solidFill>
-                <a:effectLst>
-                  <a:outerShdw blurRad="38100" dist="19050" dir="2700000" algn="tl" rotWithShape="0">
-                    <a:schemeClr val="dk1">
-                      <a:alpha val="40000"/>
-                    </a:schemeClr>
-                  </a:outerShdw>
-                </a:effectLst>
-                <a:sym typeface="+mn-ea"/>
-              </a:rPr>
-              <a:t>Output Device:</a:t>
-            </a:r>
-            <a:endParaRPr lang="en-IN" altLang="en-US" sz="3600">
-              <a:solidFill>
-                <a:schemeClr val="tx1"/>
-              </a:solidFill>
-              <a:effectLst>
-                <a:outerShdw blurRad="38100" dist="19050" dir="2700000" algn="tl" rotWithShape="0">
-                  <a:schemeClr val="dk1">
-                    <a:alpha val="40000"/>
-                  </a:schemeClr>
-                </a:outerShdw>
-              </a:effectLst>
-              <a:sym typeface="+mn-ea"/>
-            </a:endParaRPr>
-          </a:p>
-          <a:p>
-            <a:pPr marL="457200" indent="-457200">
-              <a:buFont typeface="Arial" panose="020B0604020202020204" pitchFamily="34" charset="0"/>
-              <a:buChar char="•"/>
-            </a:pPr>
-            <a:r>
-              <a:rPr lang="en-IN" altLang="en-US" sz="3200">
-                <a:solidFill>
-                  <a:schemeClr val="bg1"/>
-                </a:solidFill>
-                <a:sym typeface="+mn-ea"/>
-              </a:rPr>
-              <a:t>I2C 16x2 LCD, Neo Pixel, PIR, Buzzer, Servo, Relay</a:t>
-            </a:r>
-            <a:endParaRPr lang="en-IN" altLang="en-US" sz="3200">
-              <a:solidFill>
-                <a:schemeClr val="bg1"/>
-              </a:solidFill>
-              <a:sym typeface="+mn-ea"/>
-            </a:endParaRPr>
-          </a:p>
-          <a:p>
-            <a:pPr indent="0">
-              <a:buFont typeface="Arial" panose="020B0604020202020204" pitchFamily="34" charset="0"/>
-              <a:buNone/>
-            </a:pPr>
-            <a:endParaRPr lang="en-IN" altLang="en-US" sz="3200">
-              <a:solidFill>
-                <a:schemeClr val="bg1"/>
-              </a:solidFill>
-              <a:sym typeface="+mn-ea"/>
-            </a:endParaRPr>
-          </a:p>
-          <a:p>
-            <a:pPr indent="0">
-              <a:buFont typeface="Arial" panose="020B0604020202020204" pitchFamily="34" charset="0"/>
-              <a:buNone/>
-            </a:pPr>
-            <a:r>
-              <a:rPr lang="en-IN" altLang="en-US" sz="3600">
-                <a:solidFill>
-                  <a:schemeClr val="tx1"/>
-                </a:solidFill>
-                <a:effectLst>
-                  <a:outerShdw blurRad="38100" dist="19050" dir="2700000" algn="tl" rotWithShape="0">
-                    <a:schemeClr val="dk1">
-                      <a:alpha val="40000"/>
-                    </a:schemeClr>
-                  </a:outerShdw>
-                </a:effectLst>
-                <a:sym typeface="+mn-ea"/>
-              </a:rPr>
-              <a:t>Input Device:</a:t>
-            </a:r>
-            <a:endParaRPr lang="en-IN" altLang="en-US" sz="3600">
-              <a:solidFill>
-                <a:schemeClr val="tx1"/>
-              </a:solidFill>
-              <a:effectLst>
-                <a:outerShdw blurRad="38100" dist="19050" dir="2700000" algn="tl" rotWithShape="0">
-                  <a:schemeClr val="dk1">
-                    <a:alpha val="40000"/>
-                  </a:schemeClr>
-                </a:outerShdw>
-              </a:effectLst>
-              <a:sym typeface="+mn-ea"/>
-            </a:endParaRPr>
-          </a:p>
-          <a:p>
-            <a:pPr marL="457200" indent="-457200">
-              <a:buFont typeface="Arial" panose="020B0604020202020204" pitchFamily="34" charset="0"/>
-              <a:buChar char="•"/>
-            </a:pPr>
-            <a:r>
-              <a:rPr lang="en-IN" altLang="en-US" sz="3200">
-                <a:solidFill>
-                  <a:schemeClr val="bg1"/>
-                </a:solidFill>
-                <a:sym typeface="+mn-ea"/>
-              </a:rPr>
-              <a:t>DHT22</a:t>
-            </a:r>
-            <a:endParaRPr lang="en-IN" altLang="en-US" sz="3200">
-              <a:solidFill>
-                <a:schemeClr val="bg1"/>
-              </a:solidFill>
-              <a:sym typeface="+mn-ea"/>
-            </a:endParaRPr>
-          </a:p>
-        </p:txBody>
-      </p:sp>
+          <a:ln w="9525">
+            <a:noFill/>
+          </a:ln>
+        </p:spPr>
+      </p:pic>
     </p:spTree>
   </p:cSld>
   <p:clrMapOvr>
@@ -5045,75 +5328,36 @@
       </p:sp>
       <p:sp>
         <p:nvSpPr>
-          <p:cNvPr id="5" name="Title 4"/>
-          <p:cNvSpPr/>
-          <p:nvPr>
-            <p:ph type="ctrTitle"/>
-          </p:nvPr>
-        </p:nvSpPr>
-        <p:spPr>
-          <a:xfrm>
-            <a:off x="1524000" y="393700"/>
-            <a:ext cx="9144000" cy="701040"/>
-          </a:xfrm>
-        </p:spPr>
-        <p:txBody>
-          <a:bodyPr>
-            <a:normAutofit fontScale="90000"/>
+          <p:cNvPr id="6" name="Text Box 5"/>
+          <p:cNvSpPr txBox="1"/>
+          <p:nvPr/>
+        </p:nvSpPr>
+        <p:spPr>
+          <a:xfrm>
+            <a:off x="1164590" y="347980"/>
+            <a:ext cx="9862185" cy="768350"/>
+          </a:xfrm>
+          <a:prstGeom prst="rect">
+            <a:avLst/>
+          </a:prstGeom>
+          <a:noFill/>
+        </p:spPr>
+        <p:txBody>
+          <a:bodyPr wrap="square" rtlCol="0">
+            <a:spAutoFit/>
           </a:bodyPr>
           <a:p>
+            <a:pPr algn="ctr"/>
             <a:r>
               <a:rPr lang="en-IN" altLang="en-US" sz="4400">
-                <a:effectLst>
-                  <a:outerShdw blurRad="38100" dist="19050" dir="2700000" algn="tl" rotWithShape="0">
-                    <a:schemeClr val="dk1">
-                      <a:alpha val="40000"/>
-                    </a:schemeClr>
-                  </a:outerShdw>
-                </a:effectLst>
-                <a:sym typeface="+mn-ea"/>
-              </a:rPr>
-              <a:t>Basic Electronics: </a:t>
-            </a:r>
-            <a:r>
-              <a:rPr lang="en-IN" altLang="en-US" sz="4400">
-                <a:solidFill>
-                  <a:schemeClr val="bg1"/>
-                </a:solidFill>
-                <a:sym typeface="+mn-ea"/>
-              </a:rPr>
-              <a:t>Led (</a:t>
-            </a:r>
-            <a:r>
-              <a:rPr lang="en-IN" altLang="en-US" sz="4400">
-                <a:solidFill>
-                  <a:srgbClr val="FF0000"/>
-                </a:solidFill>
-                <a:effectLst>
-                  <a:outerShdw blurRad="38100" dist="19050" dir="2700000" algn="tl" rotWithShape="0">
-                    <a:schemeClr val="dk1">
-                      <a:alpha val="40000"/>
-                    </a:schemeClr>
-                  </a:outerShdw>
-                </a:effectLst>
-                <a:highlight>
+                <a:solidFill>
                   <a:srgbClr val="FFFF00"/>
-                </a:highlight>
-                <a:sym typeface="+mn-ea"/>
-                <a:hlinkClick r:id="rId1" action="ppaction://hlinkfile"/>
-              </a:rPr>
-              <a:t>Link</a:t>
-            </a:r>
-            <a:r>
-              <a:rPr lang="en-IN" altLang="en-US" sz="4400">
-                <a:solidFill>
-                  <a:schemeClr val="bg1"/>
-                </a:solidFill>
-                <a:sym typeface="+mn-ea"/>
-              </a:rPr>
-              <a:t>)</a:t>
-            </a:r>
-            <a:endParaRPr lang="en-IN" altLang="en-US" sz="4400">
+                </a:solidFill>
+                <a:sym typeface="+mn-ea"/>
+              </a:rPr>
+              <a:t>Tools</a:t>
+            </a:r>
+            <a:endParaRPr lang="en-IN" altLang="en-US" sz="3200">
               <a:solidFill>
                 <a:schemeClr val="bg1"/>
               </a:solidFill>
@@ -5124,10 +5368,34 @@
       </p:sp>
       <p:pic>
         <p:nvPicPr>
-          <p:cNvPr id="2" name="Picture 1"/>
-          <p:cNvPicPr>
-            <a:picLocks noChangeAspect="1"/>
-          </p:cNvPicPr>
+          <p:cNvPr id="100" name="Picture 99"/>
+          <p:cNvPicPr/>
+          <p:nvPr/>
+        </p:nvPicPr>
+        <p:blipFill>
+          <a:blip r:embed="rId1"/>
+          <a:stretch>
+            <a:fillRect/>
+          </a:stretch>
+        </p:blipFill>
+        <p:spPr>
+          <a:xfrm>
+            <a:off x="609600" y="715010"/>
+            <a:ext cx="4378960" cy="2383155"/>
+          </a:xfrm>
+          <a:prstGeom prst="rect">
+            <a:avLst/>
+          </a:prstGeom>
+          <a:noFill/>
+          <a:ln w="9525">
+            <a:noFill/>
+          </a:ln>
+        </p:spPr>
+      </p:pic>
+      <p:pic>
+        <p:nvPicPr>
+          <p:cNvPr id="101" name="Picture 100"/>
+          <p:cNvPicPr/>
           <p:nvPr/>
         </p:nvPicPr>
         <p:blipFill>
@@ -5138,38 +5406,42 @@
         </p:blipFill>
         <p:spPr>
           <a:xfrm>
-            <a:off x="497840" y="1195705"/>
-            <a:ext cx="5350510" cy="4959985"/>
-          </a:xfrm>
-          <a:prstGeom prst="roundRect">
+            <a:off x="8122285" y="1381125"/>
+            <a:ext cx="2904490" cy="3006725"/>
+          </a:xfrm>
+          <a:prstGeom prst="rect">
             <a:avLst/>
           </a:prstGeom>
+          <a:noFill/>
+          <a:ln w="9525">
+            <a:noFill/>
+          </a:ln>
         </p:spPr>
       </p:pic>
       <p:pic>
         <p:nvPicPr>
-          <p:cNvPr id="3" name="Picture 2"/>
-          <p:cNvPicPr>
-            <a:picLocks noChangeAspect="1"/>
-          </p:cNvPicPr>
+          <p:cNvPr id="102" name="Picture 101"/>
+          <p:cNvPicPr/>
           <p:nvPr/>
         </p:nvPicPr>
         <p:blipFill>
-          <a:blip r:embed="rId3">
-            <a:lum contrast="30000"/>
-          </a:blip>
+          <a:blip r:embed="rId3"/>
           <a:stretch>
             <a:fillRect/>
           </a:stretch>
         </p:blipFill>
         <p:spPr>
           <a:xfrm>
-            <a:off x="5936615" y="1195705"/>
-            <a:ext cx="5875655" cy="4959350"/>
+            <a:off x="2469515" y="3253105"/>
+            <a:ext cx="5339715" cy="3136265"/>
           </a:xfrm>
           <a:prstGeom prst="rect">
             <a:avLst/>
           </a:prstGeom>
+          <a:noFill/>
+          <a:ln w="9525">
+            <a:noFill/>
+          </a:ln>
         </p:spPr>
       </p:pic>
     </p:spTree>
@@ -5254,25 +5526,64 @@
       </p:sp>
       <p:sp>
         <p:nvSpPr>
-          <p:cNvPr id="5" name="Title 4"/>
-          <p:cNvSpPr/>
-          <p:nvPr>
-            <p:ph type="ctrTitle"/>
-          </p:nvPr>
-        </p:nvSpPr>
-        <p:spPr>
-          <a:xfrm>
-            <a:off x="1524000" y="409575"/>
-            <a:ext cx="9144000" cy="701040"/>
-          </a:xfrm>
-        </p:spPr>
-        <p:txBody>
-          <a:bodyPr>
-            <a:normAutofit fontScale="90000"/>
+          <p:cNvPr id="6" name="Text Box 5"/>
+          <p:cNvSpPr txBox="1"/>
+          <p:nvPr/>
+        </p:nvSpPr>
+        <p:spPr>
+          <a:xfrm>
+            <a:off x="712470" y="425450"/>
+            <a:ext cx="9862185" cy="5262245"/>
+          </a:xfrm>
+          <a:prstGeom prst="rect">
+            <a:avLst/>
+          </a:prstGeom>
+          <a:noFill/>
+        </p:spPr>
+        <p:txBody>
+          <a:bodyPr wrap="square" rtlCol="0">
+            <a:spAutoFit/>
           </a:bodyPr>
           <a:p>
             <a:r>
-              <a:rPr lang="en-IN" altLang="en-US" sz="4400">
+              <a:rPr lang="en-IN" altLang="en-US" sz="3600">
+                <a:solidFill>
+                  <a:srgbClr val="FFFF00"/>
+                </a:solidFill>
+                <a:sym typeface="+mn-ea"/>
+              </a:rPr>
+              <a:t>Interfacing</a:t>
+            </a:r>
+            <a:r>
+              <a:rPr lang="en-IN" altLang="en-US" sz="3200">
+                <a:solidFill>
+                  <a:schemeClr val="bg1"/>
+                </a:solidFill>
+                <a:sym typeface="+mn-ea"/>
+              </a:rPr>
+              <a:t>:</a:t>
+            </a:r>
+            <a:endParaRPr lang="en-IN" altLang="en-US" sz="3200">
+              <a:solidFill>
+                <a:schemeClr val="bg1"/>
+              </a:solidFill>
+              <a:sym typeface="+mn-ea"/>
+            </a:endParaRPr>
+          </a:p>
+          <a:p>
+            <a:endParaRPr lang="en-IN" altLang="en-US" sz="3200">
+              <a:solidFill>
+                <a:schemeClr val="bg1"/>
+              </a:solidFill>
+              <a:sym typeface="+mn-ea"/>
+            </a:endParaRPr>
+          </a:p>
+          <a:p>
+            <a:r>
+              <a:rPr lang="en-IN" altLang="en-US" sz="3600">
+                <a:solidFill>
+                  <a:schemeClr val="tx1"/>
+                </a:solidFill>
                 <a:effectLst>
                   <a:outerShdw blurRad="38100" dist="19050" dir="2700000" algn="tl" rotWithShape="0">
                     <a:schemeClr val="dk1">
@@ -5282,19 +5593,69 @@
                 </a:effectLst>
                 <a:sym typeface="+mn-ea"/>
               </a:rPr>
-              <a:t>Basic Electronics: </a:t>
-            </a:r>
-            <a:r>
-              <a:rPr lang="en-IN" altLang="en-US" sz="4400">
-                <a:solidFill>
-                  <a:schemeClr val="bg1"/>
-                </a:solidFill>
-                <a:sym typeface="+mn-ea"/>
-              </a:rPr>
-              <a:t>Potentiometer (</a:t>
-            </a:r>
-            <a:r>
-              <a:rPr lang="en-IN" altLang="en-US" sz="4400">
+              <a:t>Basic Electronics:</a:t>
+            </a:r>
+            <a:endParaRPr lang="en-IN" altLang="en-US" sz="3600">
+              <a:solidFill>
+                <a:schemeClr val="tx1"/>
+              </a:solidFill>
+              <a:effectLst>
+                <a:outerShdw blurRad="38100" dist="19050" dir="2700000" algn="tl" rotWithShape="0">
+                  <a:schemeClr val="dk1">
+                    <a:alpha val="40000"/>
+                  </a:schemeClr>
+                </a:outerShdw>
+              </a:effectLst>
+              <a:sym typeface="+mn-ea"/>
+            </a:endParaRPr>
+          </a:p>
+          <a:p>
+            <a:pPr marL="457200" indent="-457200">
+              <a:buFont typeface="Arial" panose="020B0604020202020204" pitchFamily="34" charset="0"/>
+              <a:buChar char="•"/>
+            </a:pPr>
+            <a:r>
+              <a:rPr lang="en-IN" altLang="en-US" sz="3200">
+                <a:solidFill>
+                  <a:schemeClr val="bg1"/>
+                </a:solidFill>
+                <a:sym typeface="+mn-ea"/>
+              </a:rPr>
+              <a:t>Led, Potentiometer, Slide Switch</a:t>
+            </a:r>
+            <a:endParaRPr lang="en-IN" altLang="en-US" sz="3200">
+              <a:solidFill>
+                <a:schemeClr val="bg1"/>
+              </a:solidFill>
+              <a:sym typeface="+mn-ea"/>
+            </a:endParaRPr>
+          </a:p>
+          <a:p>
+            <a:pPr indent="0">
+              <a:buFont typeface="Arial" panose="020B0604020202020204" pitchFamily="34" charset="0"/>
+              <a:buNone/>
+            </a:pPr>
+            <a:endParaRPr lang="en-IN" altLang="en-US" sz="3200">
+              <a:solidFill>
+                <a:schemeClr val="tx1"/>
+              </a:solidFill>
+              <a:effectLst>
+                <a:outerShdw blurRad="38100" dist="19050" dir="2700000" algn="tl" rotWithShape="0">
+                  <a:schemeClr val="dk1">
+                    <a:alpha val="40000"/>
+                  </a:schemeClr>
+                </a:outerShdw>
+              </a:effectLst>
+              <a:sym typeface="+mn-ea"/>
+            </a:endParaRPr>
+          </a:p>
+          <a:p>
+            <a:pPr indent="0">
+              <a:buFont typeface="Arial" panose="020B0604020202020204" pitchFamily="34" charset="0"/>
+              <a:buNone/>
+            </a:pPr>
+            <a:r>
+              <a:rPr lang="en-IN" altLang="en-US" sz="3600">
                 <a:solidFill>
                   <a:schemeClr val="tx1"/>
                 </a:solidFill>
@@ -5305,82 +5666,115 @@
                     </a:schemeClr>
                   </a:outerShdw>
                 </a:effectLst>
-                <a:highlight>
-                  <a:srgbClr val="FFFF00"/>
-                </a:highlight>
-                <a:sym typeface="+mn-ea"/>
-                <a:hlinkClick r:id="rId1" action="ppaction://hlinkfile"/>
-              </a:rPr>
-              <a:t>Link</a:t>
-            </a:r>
-            <a:r>
-              <a:rPr lang="en-IN" altLang="en-US" sz="4400">
-                <a:solidFill>
-                  <a:schemeClr val="bg1"/>
-                </a:solidFill>
-                <a:sym typeface="+mn-ea"/>
-              </a:rPr>
-              <a:t>)</a:t>
-            </a:r>
-            <a:endParaRPr lang="en-IN" altLang="en-US" sz="4400">
+                <a:sym typeface="+mn-ea"/>
+              </a:rPr>
+              <a:t>Output Device:</a:t>
+            </a:r>
+            <a:endParaRPr lang="en-IN" altLang="en-US" sz="3600">
+              <a:solidFill>
+                <a:schemeClr val="tx1"/>
+              </a:solidFill>
+              <a:effectLst>
+                <a:outerShdw blurRad="38100" dist="19050" dir="2700000" algn="tl" rotWithShape="0">
+                  <a:schemeClr val="dk1">
+                    <a:alpha val="40000"/>
+                  </a:schemeClr>
+                </a:outerShdw>
+              </a:effectLst>
+              <a:sym typeface="+mn-ea"/>
+            </a:endParaRPr>
+          </a:p>
+          <a:p>
+            <a:pPr marL="457200" indent="-457200">
+              <a:buFont typeface="Arial" panose="020B0604020202020204" pitchFamily="34" charset="0"/>
+              <a:buChar char="•"/>
+            </a:pPr>
+            <a:r>
+              <a:rPr lang="en-IN" altLang="en-US" sz="3200">
+                <a:solidFill>
+                  <a:schemeClr val="bg1"/>
+                </a:solidFill>
+                <a:sym typeface="+mn-ea"/>
+              </a:rPr>
+              <a:t>I2C 16x2 LCD, Neo Pixel, PIR, Buzzer, Servo, Relay</a:t>
+            </a:r>
+            <a:endParaRPr lang="en-IN" altLang="en-US" sz="3200">
               <a:solidFill>
                 <a:schemeClr val="bg1"/>
               </a:solidFill>
               <a:sym typeface="+mn-ea"/>
             </a:endParaRPr>
           </a:p>
-        </p:txBody>
-      </p:sp>
-      <p:pic>
-        <p:nvPicPr>
-          <p:cNvPr id="2" name="Picture 1"/>
-          <p:cNvPicPr>
-            <a:picLocks noChangeAspect="1"/>
-          </p:cNvPicPr>
-          <p:nvPr/>
-        </p:nvPicPr>
-        <p:blipFill>
-          <a:blip r:embed="rId2"/>
-          <a:stretch>
-            <a:fillRect/>
-          </a:stretch>
-        </p:blipFill>
-        <p:spPr>
-          <a:xfrm>
-            <a:off x="467995" y="1311910"/>
-            <a:ext cx="5040630" cy="4832985"/>
-          </a:xfrm>
-          <a:prstGeom prst="roundRect">
-            <a:avLst/>
-          </a:prstGeom>
-        </p:spPr>
-      </p:pic>
-      <p:pic>
-        <p:nvPicPr>
-          <p:cNvPr id="6" name="Picture 5"/>
-          <p:cNvPicPr>
-            <a:picLocks noChangeAspect="1"/>
-          </p:cNvPicPr>
-          <p:nvPr/>
-        </p:nvPicPr>
-        <p:blipFill>
-          <a:blip r:embed="rId3">
-            <a:lum contrast="30000"/>
-          </a:blip>
-          <a:stretch>
-            <a:fillRect/>
-          </a:stretch>
-        </p:blipFill>
-        <p:spPr>
-          <a:xfrm>
-            <a:off x="6123305" y="1311910"/>
-            <a:ext cx="5474335" cy="4799330"/>
-          </a:xfrm>
-          <a:prstGeom prst="rect">
-            <a:avLst/>
-          </a:prstGeom>
-        </p:spPr>
-      </p:pic>
+          <a:p>
+            <a:pPr indent="0">
+              <a:buFont typeface="Arial" panose="020B0604020202020204" pitchFamily="34" charset="0"/>
+              <a:buNone/>
+            </a:pPr>
+            <a:endParaRPr lang="en-IN" altLang="en-US" sz="3200">
+              <a:solidFill>
+                <a:schemeClr val="bg1"/>
+              </a:solidFill>
+              <a:sym typeface="+mn-ea"/>
+            </a:endParaRPr>
+          </a:p>
+          <a:p>
+            <a:pPr indent="0">
+              <a:buFont typeface="Arial" panose="020B0604020202020204" pitchFamily="34" charset="0"/>
+              <a:buNone/>
+            </a:pPr>
+            <a:r>
+              <a:rPr lang="en-IN" altLang="en-US" sz="3600">
+                <a:solidFill>
+                  <a:schemeClr val="tx1"/>
+                </a:solidFill>
+                <a:effectLst>
+                  <a:outerShdw blurRad="38100" dist="19050" dir="2700000" algn="tl" rotWithShape="0">
+                    <a:schemeClr val="dk1">
+                      <a:alpha val="40000"/>
+                    </a:schemeClr>
+                  </a:outerShdw>
+                </a:effectLst>
+                <a:sym typeface="+mn-ea"/>
+              </a:rPr>
+              <a:t>Input Device:</a:t>
+            </a:r>
+            <a:endParaRPr lang="en-IN" altLang="en-US" sz="3600">
+              <a:solidFill>
+                <a:schemeClr val="tx1"/>
+              </a:solidFill>
+              <a:effectLst>
+                <a:outerShdw blurRad="38100" dist="19050" dir="2700000" algn="tl" rotWithShape="0">
+                  <a:schemeClr val="dk1">
+                    <a:alpha val="40000"/>
+                  </a:schemeClr>
+                </a:outerShdw>
+              </a:effectLst>
+              <a:sym typeface="+mn-ea"/>
+            </a:endParaRPr>
+          </a:p>
+          <a:p>
+            <a:pPr marL="457200" indent="-457200">
+              <a:buFont typeface="Arial" panose="020B0604020202020204" pitchFamily="34" charset="0"/>
+              <a:buChar char="•"/>
+            </a:pPr>
+            <a:r>
+              <a:rPr lang="en-IN" altLang="en-US" sz="3200">
+                <a:solidFill>
+                  <a:schemeClr val="bg1"/>
+                </a:solidFill>
+                <a:sym typeface="+mn-ea"/>
+              </a:rPr>
+              <a:t>DHT22</a:t>
+            </a:r>
+            <a:endParaRPr lang="en-IN" altLang="en-US" sz="3200">
+              <a:solidFill>
+                <a:schemeClr val="bg1"/>
+              </a:solidFill>
+              <a:sym typeface="+mn-ea"/>
+            </a:endParaRPr>
+          </a:p>
+        </p:txBody>
+      </p:sp>
     </p:spTree>
   </p:cSld>
   <p:clrMapOvr>
@@ -5471,7 +5865,7 @@
         </p:nvSpPr>
         <p:spPr>
           <a:xfrm>
-            <a:off x="1524000" y="409575"/>
+            <a:off x="1524000" y="393700"/>
             <a:ext cx="9144000" cy="701040"/>
           </a:xfrm>
         </p:spPr>
@@ -5500,20 +5894,27 @@
                 </a:solidFill>
                 <a:sym typeface="+mn-ea"/>
               </a:rPr>
-              <a:t>Slide Switch (</a:t>
+              <a:t>Led (</a:t>
             </a:r>
             <a:r>
               <a:rPr lang="en-IN" altLang="en-US" sz="4400">
                 <a:solidFill>
-                  <a:schemeClr val="bg1"/>
-                </a:solidFill>
+                  <a:srgbClr val="FF0000"/>
+                </a:solidFill>
+                <a:effectLst>
+                  <a:outerShdw blurRad="38100" dist="19050" dir="2700000" algn="tl" rotWithShape="0">
+                    <a:schemeClr val="dk1">
+                      <a:alpha val="40000"/>
+                    </a:schemeClr>
+                  </a:outerShdw>
+                </a:effectLst>
                 <a:highlight>
                   <a:srgbClr val="FFFF00"/>
                 </a:highlight>
                 <a:sym typeface="+mn-ea"/>
                 <a:hlinkClick r:id="rId1" action="ppaction://hlinkfile"/>
               </a:rPr>
-              <a:t>LINK</a:t>
+              <a:t>Link</a:t>
             </a:r>
             <a:r>
               <a:rPr lang="en-IN" altLang="en-US" sz="4400">
@@ -5549,10 +5950,10 @@
         </p:blipFill>
         <p:spPr>
           <a:xfrm>
-            <a:off x="608965" y="1110615"/>
-            <a:ext cx="5308600" cy="5125085"/>
-          </a:xfrm>
-          <a:prstGeom prst="rect">
+            <a:off x="497840" y="1195705"/>
+            <a:ext cx="5350510" cy="4959985"/>
+          </a:xfrm>
+          <a:prstGeom prst="roundRect">
             <a:avLst/>
           </a:prstGeom>
         </p:spPr>
@@ -5567,7 +5968,7 @@
         </p:nvPicPr>
         <p:blipFill>
           <a:blip r:embed="rId3">
-            <a:lum contrast="36000"/>
+            <a:lum contrast="30000"/>
           </a:blip>
           <a:stretch>
             <a:fillRect/>
@@ -5575,8 +5976,8 @@
         </p:blipFill>
         <p:spPr>
           <a:xfrm>
-            <a:off x="6322695" y="1110615"/>
-            <a:ext cx="5312410" cy="5125085"/>
+            <a:off x="5936615" y="1195705"/>
+            <a:ext cx="5875655" cy="4959350"/>
           </a:xfrm>
           <a:prstGeom prst="rect">
             <a:avLst/>
@@ -5693,10 +6094,22 @@
                 </a:effectLst>
                 <a:sym typeface="+mn-ea"/>
               </a:rPr>
-              <a:t>Output Device</a:t>
+              <a:t>Basic Electronics: </a:t>
             </a:r>
             <a:r>
               <a:rPr lang="en-IN" altLang="en-US" sz="4400">
+                <a:solidFill>
+                  <a:schemeClr val="bg1"/>
+                </a:solidFill>
+                <a:sym typeface="+mn-ea"/>
+              </a:rPr>
+              <a:t>Potentiometer (</a:t>
+            </a:r>
+            <a:r>
+              <a:rPr lang="en-IN" altLang="en-US" sz="4400">
+                <a:solidFill>
+                  <a:schemeClr val="tx1"/>
+                </a:solidFill>
                 <a:effectLst>
                   <a:outerShdw blurRad="38100" dist="19050" dir="2700000" algn="tl" rotWithShape="0">
                     <a:schemeClr val="dk1">
@@ -5704,9 +6117,13 @@
                     </a:schemeClr>
                   </a:outerShdw>
                 </a:effectLst>
-                <a:sym typeface="+mn-ea"/>
-              </a:rPr>
-              <a:t>: </a:t>
+                <a:highlight>
+                  <a:srgbClr val="FFFF00"/>
+                </a:highlight>
+                <a:sym typeface="+mn-ea"/>
+                <a:hlinkClick r:id="rId1" action="ppaction://hlinkfile"/>
+              </a:rPr>
+              <a:t>Link</a:t>
             </a:r>
             <a:r>
               <a:rPr lang="en-IN" altLang="en-US" sz="4400">
@@ -5715,7 +6132,7 @@
                 </a:solidFill>
                 <a:sym typeface="+mn-ea"/>
               </a:rPr>
-              <a:t>Buzzer</a:t>
+              <a:t>)</a:t>
             </a:r>
             <a:endParaRPr lang="en-IN" altLang="en-US" sz="4400">
               <a:solidFill>
@@ -5735,15 +6152,15 @@
           <p:nvPr/>
         </p:nvPicPr>
         <p:blipFill>
-          <a:blip r:embed="rId1"/>
+          <a:blip r:embed="rId2"/>
           <a:stretch>
             <a:fillRect/>
           </a:stretch>
         </p:blipFill>
         <p:spPr>
           <a:xfrm>
-            <a:off x="1089660" y="1110615"/>
-            <a:ext cx="4498340" cy="5059680"/>
+            <a:off x="467995" y="1311910"/>
+            <a:ext cx="5040630" cy="4832985"/>
           </a:xfrm>
           <a:prstGeom prst="roundRect">
             <a:avLst/>
@@ -5752,15 +6169,15 @@
       </p:pic>
       <p:pic>
         <p:nvPicPr>
-          <p:cNvPr id="3" name="Picture 2"/>
+          <p:cNvPr id="6" name="Picture 5"/>
           <p:cNvPicPr>
             <a:picLocks noChangeAspect="1"/>
           </p:cNvPicPr>
           <p:nvPr/>
         </p:nvPicPr>
         <p:blipFill>
-          <a:blip r:embed="rId2">
-            <a:lum contrast="36000"/>
+          <a:blip r:embed="rId3">
+            <a:lum contrast="30000"/>
           </a:blip>
           <a:stretch>
             <a:fillRect/>
@@ -5768,8 +6185,8 @@
         </p:blipFill>
         <p:spPr>
           <a:xfrm>
-            <a:off x="5919470" y="1110615"/>
-            <a:ext cx="5059680" cy="5059680"/>
+            <a:off x="6123305" y="1311910"/>
+            <a:ext cx="5474335" cy="4799330"/>
           </a:xfrm>
           <a:prstGeom prst="rect">
             <a:avLst/>
@@ -5886,7 +6303,7 @@
                 </a:effectLst>
                 <a:sym typeface="+mn-ea"/>
               </a:rPr>
-              <a:t>Output Device: </a:t>
+              <a:t>Basic Electronics: </a:t>
             </a:r>
             <a:r>
               <a:rPr lang="en-IN" altLang="en-US" sz="4400">
@@ -5895,7 +6312,7 @@
                 </a:solidFill>
                 <a:sym typeface="+mn-ea"/>
               </a:rPr>
-              <a:t>I2C 16x2 LCD(</a:t>
+              <a:t>Slide Switch (</a:t>
             </a:r>
             <a:r>
               <a:rPr lang="en-IN" altLang="en-US" sz="4400">
@@ -5908,7 +6325,7 @@
                 <a:sym typeface="+mn-ea"/>
                 <a:hlinkClick r:id="rId1" action="ppaction://hlinkfile"/>
               </a:rPr>
-              <a:t>Link</a:t>
+              <a:t>LINK</a:t>
             </a:r>
             <a:r>
               <a:rPr lang="en-IN" altLang="en-US" sz="4400">
@@ -5944,8 +6361,8 @@
         </p:blipFill>
         <p:spPr>
           <a:xfrm>
-            <a:off x="315595" y="1110615"/>
-            <a:ext cx="5480685" cy="4726305"/>
+            <a:off x="608965" y="1110615"/>
+            <a:ext cx="5308600" cy="5125085"/>
           </a:xfrm>
           <a:prstGeom prst="rect">
             <a:avLst/>
@@ -5964,42 +6381,14 @@
           <a:blip r:embed="rId3">
             <a:lum contrast="36000"/>
           </a:blip>
-          <a:srcRect t="560"/>
           <a:stretch>
             <a:fillRect/>
           </a:stretch>
         </p:blipFill>
         <p:spPr>
           <a:xfrm>
-            <a:off x="5960745" y="1110615"/>
-            <a:ext cx="5675630" cy="5231130"/>
-          </a:xfrm>
-          <a:prstGeom prst="rect">
-            <a:avLst/>
-          </a:prstGeom>
-        </p:spPr>
-      </p:pic>
-      <p:pic>
-        <p:nvPicPr>
-          <p:cNvPr id="7" name="Picture 6"/>
-          <p:cNvPicPr>
-            <a:picLocks noChangeAspect="1"/>
-          </p:cNvPicPr>
-          <p:nvPr/>
-        </p:nvPicPr>
-        <p:blipFill>
-          <a:blip r:embed="rId3">
-            <a:lum contrast="36000"/>
-          </a:blip>
-          <a:srcRect t="560"/>
-          <a:stretch>
-            <a:fillRect/>
-          </a:stretch>
-        </p:blipFill>
-        <p:spPr>
-          <a:xfrm>
-            <a:off x="6094095" y="1110615"/>
-            <a:ext cx="5675630" cy="5231130"/>
+            <a:off x="6322695" y="1110615"/>
+            <a:ext cx="5312410" cy="5125085"/>
           </a:xfrm>
           <a:prstGeom prst="rect">
             <a:avLst/>
@@ -6116,38 +6505,29 @@
                 </a:effectLst>
                 <a:sym typeface="+mn-ea"/>
               </a:rPr>
-              <a:t>Output Device: </a:t>
+              <a:t>Output Device</a:t>
             </a:r>
             <a:r>
               <a:rPr lang="en-IN" altLang="en-US" sz="4400">
-                <a:solidFill>
-                  <a:schemeClr val="bg1"/>
-                </a:solidFill>
-                <a:sym typeface="+mn-ea"/>
-              </a:rPr>
-              <a:t>Neo Pixel (</a:t>
+                <a:effectLst>
+                  <a:outerShdw blurRad="38100" dist="19050" dir="2700000" algn="tl" rotWithShape="0">
+                    <a:schemeClr val="dk1">
+                      <a:alpha val="40000"/>
+                    </a:schemeClr>
+                  </a:outerShdw>
+                </a:effectLst>
+                <a:sym typeface="+mn-ea"/>
+              </a:rPr>
+              <a:t>: </a:t>
             </a:r>
             <a:r>
               <a:rPr lang="en-IN" altLang="en-US" sz="4400">
                 <a:solidFill>
                   <a:schemeClr val="bg1"/>
                 </a:solidFill>
-                <a:highlight>
-                  <a:srgbClr val="FFFF00"/>
-                </a:highlight>
-                <a:sym typeface="+mn-ea"/>
-                <a:hlinkClick r:id="rId1" action="ppaction://hlinkfile"/>
-              </a:rPr>
-              <a:t>Link</a:t>
-            </a:r>
-            <a:r>
-              <a:rPr lang="en-IN" altLang="en-US" sz="4400">
-                <a:solidFill>
-                  <a:schemeClr val="bg1"/>
-                </a:solidFill>
-                <a:sym typeface="+mn-ea"/>
-              </a:rPr>
-              <a:t>)</a:t>
+                <a:sym typeface="+mn-ea"/>
+              </a:rPr>
+              <a:t>Buzzer</a:t>
             </a:r>
             <a:endParaRPr lang="en-IN" altLang="en-US" sz="4400">
               <a:solidFill>
@@ -6167,17 +6547,17 @@
           <p:nvPr/>
         </p:nvPicPr>
         <p:blipFill>
-          <a:blip r:embed="rId2"/>
+          <a:blip r:embed="rId1"/>
           <a:stretch>
             <a:fillRect/>
           </a:stretch>
         </p:blipFill>
         <p:spPr>
           <a:xfrm>
-            <a:off x="476250" y="1110615"/>
-            <a:ext cx="4366895" cy="4028440"/>
-          </a:xfrm>
-          <a:prstGeom prst="rect">
+            <a:off x="1089660" y="1110615"/>
+            <a:ext cx="4498340" cy="5059680"/>
+          </a:xfrm>
+          <a:prstGeom prst="roundRect">
             <a:avLst/>
           </a:prstGeom>
         </p:spPr>
@@ -6191,8 +6571,8 @@
           <p:nvPr/>
         </p:nvPicPr>
         <p:blipFill>
-          <a:blip r:embed="rId3">
-            <a:lum contrast="30000"/>
+          <a:blip r:embed="rId2">
+            <a:lum contrast="36000"/>
           </a:blip>
           <a:stretch>
             <a:fillRect/>
@@ -6200,8 +6580,8 @@
         </p:blipFill>
         <p:spPr>
           <a:xfrm>
-            <a:off x="4959350" y="1110615"/>
-            <a:ext cx="6858000" cy="5229860"/>
+            <a:off x="5919470" y="1110615"/>
+            <a:ext cx="5059680" cy="5059680"/>
           </a:xfrm>
           <a:prstGeom prst="rect">
             <a:avLst/>

--- a/IoT Workshop.pptx
+++ b/IoT Workshop.pptx
@@ -4856,7 +4856,7 @@
                 <a:sym typeface="+mn-ea"/>
                 <a:hlinkClick r:id="rId11" action="ppaction://hlinkfile"/>
               </a:rPr>
-              <a:t>IoT (Read POT) - Thingspeak</a:t>
+              <a:t>IoT(Read DHT22)-Thingspeak</a:t>
             </a:r>
             <a:endParaRPr lang="en-IN" altLang="en-US" sz="3600">
               <a:solidFill>
@@ -4868,9 +4868,39 @@
           </a:p>
         </p:txBody>
       </p:sp>
+      <p:sp>
+        <p:nvSpPr>
+          <p:cNvPr id="3" name="Text Box 2"/>
+          <p:cNvSpPr txBox="1"/>
+          <p:nvPr/>
+        </p:nvSpPr>
+        <p:spPr>
+          <a:xfrm>
+            <a:off x="7760970" y="210185"/>
+            <a:ext cx="2540000" cy="583565"/>
+          </a:xfrm>
+          <a:prstGeom prst="rect">
+            <a:avLst/>
+          </a:prstGeom>
+          <a:noFill/>
+        </p:spPr>
+        <p:txBody>
+          <a:bodyPr wrap="square" rtlCol="0" anchor="t">
+            <a:spAutoFit/>
+          </a:bodyPr>
+          <a:p>
+            <a:pPr algn="ctr"/>
+            <a:r>
+              <a:rPr lang="en-US" sz="3200" b="1"/>
+              <a:t>PPT Link</a:t>
+            </a:r>
+            <a:endParaRPr lang="en-US" sz="3200" b="1"/>
+          </a:p>
+        </p:txBody>
+      </p:sp>
       <p:pic>
         <p:nvPicPr>
-          <p:cNvPr id="2" name="Picture 1"/>
+          <p:cNvPr id="6" name="Picture 5"/>
           <p:cNvPicPr>
             <a:picLocks noChangeAspect="1"/>
           </p:cNvPicPr>
@@ -4884,44 +4914,14 @@
         </p:blipFill>
         <p:spPr>
           <a:xfrm>
-            <a:off x="6114415" y="737235"/>
-            <a:ext cx="3867785" cy="3867785"/>
+            <a:off x="6278880" y="871855"/>
+            <a:ext cx="5504180" cy="5504180"/>
           </a:xfrm>
           <a:prstGeom prst="rect">
             <a:avLst/>
           </a:prstGeom>
         </p:spPr>
       </p:pic>
-      <p:sp>
-        <p:nvSpPr>
-          <p:cNvPr id="3" name="Text Box 2"/>
-          <p:cNvSpPr txBox="1"/>
-          <p:nvPr/>
-        </p:nvSpPr>
-        <p:spPr>
-          <a:xfrm>
-            <a:off x="6778625" y="4714240"/>
-            <a:ext cx="2540000" cy="583565"/>
-          </a:xfrm>
-          <a:prstGeom prst="rect">
-            <a:avLst/>
-          </a:prstGeom>
-          <a:noFill/>
-        </p:spPr>
-        <p:txBody>
-          <a:bodyPr wrap="square" rtlCol="0" anchor="t">
-            <a:spAutoFit/>
-          </a:bodyPr>
-          <a:p>
-            <a:pPr algn="ctr"/>
-            <a:r>
-              <a:rPr lang="en-US" sz="3200" b="1"/>
-              <a:t>PPT Link</a:t>
-            </a:r>
-            <a:endParaRPr lang="en-US" sz="3200" b="1"/>
-          </a:p>
-        </p:txBody>
-      </p:sp>
     </p:spTree>
   </p:cSld>
   <p:clrMapOvr>

--- a/IoT Workshop.pptx
+++ b/IoT Workshop.pptx
@@ -5010,8 +5010,8 @@
         </p:nvSpPr>
         <p:spPr>
           <a:xfrm>
-            <a:off x="3487420" y="1894205"/>
-            <a:ext cx="9862185" cy="2245360"/>
+            <a:off x="3426460" y="194945"/>
+            <a:ext cx="9862185" cy="1753235"/>
           </a:xfrm>
           <a:prstGeom prst="rect">
             <a:avLst/>
@@ -5033,15 +5033,6 @@
               </a:rPr>
               <a:t>Index</a:t>
             </a:r>
-            <a:endParaRPr lang="en-IN" altLang="en-US" sz="3200">
-              <a:solidFill>
-                <a:srgbClr val="FFFF00"/>
-              </a:solidFill>
-              <a:sym typeface="+mn-ea"/>
-            </a:endParaRPr>
-          </a:p>
-          <a:p>
-            <a:pPr algn="ctr"/>
             <a:br>
               <a:rPr lang="en-IN" altLang="en-US" sz="3200">
                 <a:sym typeface="+mn-ea"/>
@@ -5140,6 +5131,30 @@
           </a:p>
         </p:txBody>
       </p:sp>
+      <p:pic>
+        <p:nvPicPr>
+          <p:cNvPr id="7" name="Picture 6"/>
+          <p:cNvPicPr>
+            <a:picLocks noChangeAspect="1"/>
+          </p:cNvPicPr>
+          <p:nvPr/>
+        </p:nvPicPr>
+        <p:blipFill>
+          <a:blip r:embed="rId2"/>
+          <a:stretch>
+            <a:fillRect/>
+          </a:stretch>
+        </p:blipFill>
+        <p:spPr>
+          <a:xfrm>
+            <a:off x="5666740" y="2148205"/>
+            <a:ext cx="5344795" cy="3125470"/>
+          </a:xfrm>
+          <a:prstGeom prst="rect">
+            <a:avLst/>
+          </a:prstGeom>
+        </p:spPr>
+      </p:pic>
     </p:spTree>
   </p:cSld>
   <p:clrMapOvr>
